--- a/lectures/10 - Визуализация теней.pptx
+++ b/lectures/10 - Визуализация теней.pptx
@@ -253,7 +253,7 @@
           <a:p>
             <a:fld id="{04FBD475-CDA8-4E6D-B6E4-3975D3C44030}" type="datetimeFigureOut">
               <a:rPr lang="en-US" smtClean="0"/>
-              <a:t>5/23/2024</a:t>
+              <a:t>8/18/2024</a:t>
             </a:fld>
             <a:endParaRPr lang="en-US"/>
           </a:p>
@@ -752,7 +752,7 @@
             <a:fld id="{F3763445-B0B9-48B1-81B7-B7BCBC84F2F4}" type="datetimeFigureOut">
               <a:rPr lang="ru-RU" smtClean="0"/>
               <a:pPr/>
-              <a:t>23.05.2024</a:t>
+              <a:t>18.08.2024</a:t>
             </a:fld>
             <a:endParaRPr lang="ru-RU"/>
           </a:p>
@@ -952,7 +952,7 @@
             <a:fld id="{F3763445-B0B9-48B1-81B7-B7BCBC84F2F4}" type="datetimeFigureOut">
               <a:rPr lang="ru-RU" smtClean="0"/>
               <a:pPr/>
-              <a:t>23.05.2024</a:t>
+              <a:t>18.08.2024</a:t>
             </a:fld>
             <a:endParaRPr lang="ru-RU"/>
           </a:p>
@@ -1162,7 +1162,7 @@
             <a:fld id="{F3763445-B0B9-48B1-81B7-B7BCBC84F2F4}" type="datetimeFigureOut">
               <a:rPr lang="ru-RU" smtClean="0"/>
               <a:pPr/>
-              <a:t>23.05.2024</a:t>
+              <a:t>18.08.2024</a:t>
             </a:fld>
             <a:endParaRPr lang="ru-RU"/>
           </a:p>
@@ -1362,7 +1362,7 @@
             <a:fld id="{F3763445-B0B9-48B1-81B7-B7BCBC84F2F4}" type="datetimeFigureOut">
               <a:rPr lang="ru-RU" smtClean="0"/>
               <a:pPr/>
-              <a:t>23.05.2024</a:t>
+              <a:t>18.08.2024</a:t>
             </a:fld>
             <a:endParaRPr lang="ru-RU"/>
           </a:p>
@@ -1639,7 +1639,7 @@
             <a:fld id="{F3763445-B0B9-48B1-81B7-B7BCBC84F2F4}" type="datetimeFigureOut">
               <a:rPr lang="ru-RU" smtClean="0"/>
               <a:pPr/>
-              <a:t>23.05.2024</a:t>
+              <a:t>18.08.2024</a:t>
             </a:fld>
             <a:endParaRPr lang="ru-RU"/>
           </a:p>
@@ -1906,7 +1906,7 @@
             <a:fld id="{F3763445-B0B9-48B1-81B7-B7BCBC84F2F4}" type="datetimeFigureOut">
               <a:rPr lang="ru-RU" smtClean="0"/>
               <a:pPr/>
-              <a:t>23.05.2024</a:t>
+              <a:t>18.08.2024</a:t>
             </a:fld>
             <a:endParaRPr lang="ru-RU"/>
           </a:p>
@@ -2320,7 +2320,7 @@
             <a:fld id="{F3763445-B0B9-48B1-81B7-B7BCBC84F2F4}" type="datetimeFigureOut">
               <a:rPr lang="ru-RU" smtClean="0"/>
               <a:pPr/>
-              <a:t>23.05.2024</a:t>
+              <a:t>18.08.2024</a:t>
             </a:fld>
             <a:endParaRPr lang="ru-RU"/>
           </a:p>
@@ -2463,7 +2463,7 @@
             <a:fld id="{F3763445-B0B9-48B1-81B7-B7BCBC84F2F4}" type="datetimeFigureOut">
               <a:rPr lang="ru-RU" smtClean="0"/>
               <a:pPr/>
-              <a:t>23.05.2024</a:t>
+              <a:t>18.08.2024</a:t>
             </a:fld>
             <a:endParaRPr lang="ru-RU"/>
           </a:p>
@@ -2578,7 +2578,7 @@
             <a:fld id="{F3763445-B0B9-48B1-81B7-B7BCBC84F2F4}" type="datetimeFigureOut">
               <a:rPr lang="ru-RU" smtClean="0"/>
               <a:pPr/>
-              <a:t>23.05.2024</a:t>
+              <a:t>18.08.2024</a:t>
             </a:fld>
             <a:endParaRPr lang="ru-RU"/>
           </a:p>
@@ -2891,7 +2891,7 @@
             <a:fld id="{F3763445-B0B9-48B1-81B7-B7BCBC84F2F4}" type="datetimeFigureOut">
               <a:rPr lang="ru-RU" smtClean="0"/>
               <a:pPr/>
-              <a:t>23.05.2024</a:t>
+              <a:t>18.08.2024</a:t>
             </a:fld>
             <a:endParaRPr lang="ru-RU"/>
           </a:p>
@@ -3181,7 +3181,7 @@
             <a:fld id="{F3763445-B0B9-48B1-81B7-B7BCBC84F2F4}" type="datetimeFigureOut">
               <a:rPr lang="ru-RU" smtClean="0"/>
               <a:pPr/>
-              <a:t>23.05.2024</a:t>
+              <a:t>18.08.2024</a:t>
             </a:fld>
             <a:endParaRPr lang="ru-RU"/>
           </a:p>
@@ -3424,7 +3424,7 @@
             <a:fld id="{F3763445-B0B9-48B1-81B7-B7BCBC84F2F4}" type="datetimeFigureOut">
               <a:rPr lang="ru-RU" smtClean="0"/>
               <a:pPr/>
-              <a:t>23.05.2024</a:t>
+              <a:t>18.08.2024</a:t>
             </a:fld>
             <a:endParaRPr lang="ru-RU"/>
           </a:p>
@@ -3828,6 +3828,14 @@
 <file path=ppt/slides/slide1.xml><?xml version="1.0" encoding="utf-8"?>
 <p:sld xmlns:a="http://schemas.openxmlformats.org/drawingml/2006/main" xmlns:r="http://schemas.openxmlformats.org/officeDocument/2006/relationships" xmlns:p="http://schemas.openxmlformats.org/presentationml/2006/main">
   <p:cSld>
+    <p:bg>
+      <p:bgPr>
+        <a:solidFill>
+          <a:srgbClr val="000000"/>
+        </a:solidFill>
+        <a:effectLst/>
+      </p:bgPr>
+    </p:bg>
     <p:spTree>
       <p:nvGrpSpPr>
         <p:cNvPr id="1" name=""/>
@@ -3844,6 +3852,101 @@
       </p:grpSpPr>
       <p:sp>
         <p:nvSpPr>
+          <p:cNvPr id="9" name="Rectangle 8">
+            <a:extLst>
+              <a:ext uri="{FF2B5EF4-FFF2-40B4-BE49-F238E27FC236}">
+                <a16:creationId xmlns:a16="http://schemas.microsoft.com/office/drawing/2014/main" id="{71B2258F-86CA-4D4D-8270-BC05FCDEBFB3}"/>
+              </a:ext>
+              <a:ext uri="{C183D7F6-B498-43B3-948B-1728B52AA6E4}">
+                <adec:decorative xmlns:adec="http://schemas.microsoft.com/office/drawing/2017/decorative" val="1"/>
+              </a:ext>
+            </a:extLst>
+          </p:cNvPr>
+          <p:cNvSpPr>
+            <a:spLocks noGrp="1" noRot="1" noChangeAspect="1" noMove="1" noResize="1" noEditPoints="1" noAdjustHandles="1" noChangeArrowheads="1" noChangeShapeType="1" noTextEdit="1"/>
+          </p:cNvSpPr>
+          <p:nvPr>
+            <p:extLst>
+              <p:ext uri="{386F3935-93C4-4BCD-93E2-E3B085C9AB24}">
+                <p16:designElem xmlns:p16="http://schemas.microsoft.com/office/powerpoint/2015/main" val="1"/>
+              </p:ext>
+            </p:extLst>
+          </p:nvPr>
+        </p:nvSpPr>
+        <p:spPr>
+          <a:xfrm>
+            <a:off x="0" y="0"/>
+            <a:ext cx="12192000" cy="6857999"/>
+          </a:xfrm>
+          <a:prstGeom prst="rect">
+            <a:avLst/>
+          </a:prstGeom>
+          <a:solidFill>
+            <a:srgbClr val="000000"/>
+          </a:solidFill>
+          <a:ln>
+            <a:noFill/>
+          </a:ln>
+        </p:spPr>
+        <p:style>
+          <a:lnRef idx="2">
+            <a:schemeClr val="accent1">
+              <a:shade val="50000"/>
+            </a:schemeClr>
+          </a:lnRef>
+          <a:fillRef idx="1">
+            <a:schemeClr val="accent1"/>
+          </a:fillRef>
+          <a:effectRef idx="0">
+            <a:schemeClr val="accent1"/>
+          </a:effectRef>
+          <a:fontRef idx="minor">
+            <a:schemeClr val="lt1"/>
+          </a:fontRef>
+        </p:style>
+        <p:txBody>
+          <a:bodyPr rtlCol="0" anchor="ctr"/>
+          <a:lstStyle/>
+          <a:p>
+            <a:pPr algn="ctr"/>
+            <a:endParaRPr lang="en-US"/>
+          </a:p>
+        </p:txBody>
+      </p:sp>
+      <p:pic>
+        <p:nvPicPr>
+          <p:cNvPr id="4" name="Picture 5" descr="A couple of military vehicles&#10;&#10;Description automatically generated">
+            <a:extLst>
+              <a:ext uri="{FF2B5EF4-FFF2-40B4-BE49-F238E27FC236}">
+                <a16:creationId xmlns:a16="http://schemas.microsoft.com/office/drawing/2014/main" id="{41753EB4-EB8E-BA17-1CF2-74C8AFF85E2D}"/>
+              </a:ext>
+            </a:extLst>
+          </p:cNvPr>
+          <p:cNvPicPr>
+            <a:picLocks noChangeAspect="1" noChangeArrowheads="1"/>
+          </p:cNvPicPr>
+          <p:nvPr/>
+        </p:nvPicPr>
+        <p:blipFill>
+          <a:blip r:embed="rId2" cstate="print">
+            <a:alphaModFix amt="50000"/>
+          </a:blip>
+          <a:srcRect t="5869" b="4845"/>
+          <a:stretch/>
+        </p:blipFill>
+        <p:spPr bwMode="auto">
+          <a:xfrm>
+            <a:off x="20" y="1"/>
+            <a:ext cx="12191980" cy="6857999"/>
+          </a:xfrm>
+          <a:prstGeom prst="rect">
+            <a:avLst/>
+          </a:prstGeom>
+          <a:noFill/>
+        </p:spPr>
+      </p:pic>
+      <p:sp>
+        <p:nvSpPr>
           <p:cNvPr id="2" name="Заголовок 1"/>
           <p:cNvSpPr>
             <a:spLocks noGrp="1"/>
@@ -3852,15 +3955,33 @@
             <p:ph type="ctrTitle"/>
           </p:nvPr>
         </p:nvSpPr>
-        <p:spPr/>
+        <p:spPr>
+          <a:xfrm>
+            <a:off x="1253716" y="1781691"/>
+            <a:ext cx="9954852" cy="2900518"/>
+          </a:xfrm>
+        </p:spPr>
         <p:txBody>
           <a:bodyPr>
-            <a:normAutofit/>
+            <a:noAutofit/>
           </a:bodyPr>
           <a:lstStyle/>
           <a:p>
-            <a:r>
-              <a:rPr lang="ru-RU" dirty="0"/>
+            <a:pPr algn="l"/>
+            <a:r>
+              <a:rPr lang="ru-RU" sz="8000" dirty="0">
+                <a:solidFill>
+                  <a:srgbClr val="FFFFFF"/>
+                </a:solidFill>
+                <a:effectLst>
+                  <a:outerShdw blurRad="38100" dist="38100" dir="2700000" algn="tl">
+                    <a:srgbClr val="000000">
+                      <a:alpha val="43137"/>
+                    </a:srgbClr>
+                  </a:outerShdw>
+                </a:effectLst>
+                <a:latin typeface="Impact" panose="020B0806030902050204" pitchFamily="34" charset="0"/>
+              </a:rPr>
               <a:t>Визуализация теней в реальном времени</a:t>
             </a:r>
           </a:p>
@@ -3876,19 +3997,30 @@
             <p:ph type="subTitle" idx="1"/>
           </p:nvPr>
         </p:nvSpPr>
-        <p:spPr/>
+        <p:spPr>
+          <a:xfrm>
+            <a:off x="1524000" y="4159404"/>
+            <a:ext cx="9144000" cy="1098395"/>
+          </a:xfrm>
+        </p:spPr>
         <p:txBody>
-          <a:bodyPr/>
+          <a:bodyPr>
+            <a:normAutofit/>
+          </a:bodyPr>
           <a:lstStyle/>
           <a:p>
-            <a:endParaRPr lang="ru-RU"/>
+            <a:endParaRPr lang="ru-RU">
+              <a:solidFill>
+                <a:srgbClr val="FFFFFF"/>
+              </a:solidFill>
+            </a:endParaRPr>
           </a:p>
         </p:txBody>
       </p:sp>
     </p:spTree>
   </p:cSld>
   <p:clrMapOvr>
-    <a:masterClrMapping/>
+    <a:overrideClrMapping bg1="dk1" tx1="lt1" bg2="dk2" tx2="lt2" accent1="accent1" accent2="accent2" accent3="accent3" accent4="accent4" accent5="accent5" accent6="accent6" hlink="hlink" folHlink="folHlink"/>
   </p:clrMapOvr>
 </p:sld>
 </file>
@@ -17591,8 +17723,8 @@
           </a:p>
         </p:txBody>
       </p:sp>
-      <mc:AlternateContent xmlns:mc="http://schemas.openxmlformats.org/markup-compatibility/2006">
-        <mc:Choice xmlns:a14="http://schemas.microsoft.com/office/drawing/2010/main" Requires="a14">
+      <mc:AlternateContent xmlns:mc="http://schemas.openxmlformats.org/markup-compatibility/2006" xmlns:a14="http://schemas.microsoft.com/office/drawing/2010/main">
+        <mc:Choice Requires="a14">
           <p:sp>
             <p:nvSpPr>
               <p:cNvPr id="10244" name="Object 2"/>
@@ -19162,7 +19294,7 @@
             </p:txBody>
           </p:sp>
         </mc:Choice>
-        <mc:Fallback>
+        <mc:Fallback xmlns="">
           <p:sp>
             <p:nvSpPr>
               <p:cNvPr id="10244" name="Object 2"/>
@@ -19466,8 +19598,8 @@
           </a:p>
         </p:txBody>
       </p:sp>
-      <mc:AlternateContent xmlns:mc="http://schemas.openxmlformats.org/markup-compatibility/2006">
-        <mc:Choice xmlns:a14="http://schemas.microsoft.com/office/drawing/2010/main" Requires="a14">
+      <mc:AlternateContent xmlns:mc="http://schemas.openxmlformats.org/markup-compatibility/2006" xmlns:a14="http://schemas.microsoft.com/office/drawing/2010/main">
+        <mc:Choice Requires="a14">
           <p:sp>
             <p:nvSpPr>
               <p:cNvPr id="10244" name="Object 2"/>
@@ -21443,7 +21575,7 @@
             </p:txBody>
           </p:sp>
         </mc:Choice>
-        <mc:Fallback>
+        <mc:Fallback xmlns="">
           <p:sp>
             <p:nvSpPr>
               <p:cNvPr id="10244" name="Object 2"/>
@@ -21482,8 +21614,8 @@
           </p:sp>
         </mc:Fallback>
       </mc:AlternateContent>
-      <mc:AlternateContent xmlns:mc="http://schemas.openxmlformats.org/markup-compatibility/2006">
-        <mc:Choice xmlns:a14="http://schemas.microsoft.com/office/drawing/2010/main" Requires="a14">
+      <mc:AlternateContent xmlns:mc="http://schemas.openxmlformats.org/markup-compatibility/2006" xmlns:a14="http://schemas.microsoft.com/office/drawing/2010/main">
+        <mc:Choice Requires="a14">
           <p:sp>
             <p:nvSpPr>
               <p:cNvPr id="6" name="TextBox 5">
@@ -22141,7 +22273,7 @@
             </p:txBody>
           </p:sp>
         </mc:Choice>
-        <mc:Fallback>
+        <mc:Fallback xmlns="">
           <p:sp>
             <p:nvSpPr>
               <p:cNvPr id="6" name="TextBox 5">
@@ -27440,8 +27572,8 @@
           </a:p>
         </p:txBody>
       </p:sp>
-      <mc:AlternateContent xmlns:mc="http://schemas.openxmlformats.org/markup-compatibility/2006">
-        <mc:Choice xmlns:a14="http://schemas.microsoft.com/office/drawing/2010/main" Requires="a14">
+      <mc:AlternateContent xmlns:mc="http://schemas.openxmlformats.org/markup-compatibility/2006" xmlns:a14="http://schemas.microsoft.com/office/drawing/2010/main">
+        <mc:Choice Requires="a14">
           <p:sp>
             <p:nvSpPr>
               <p:cNvPr id="4" name="Объект 3"/>
@@ -29142,7 +29274,7 @@
             </p:txBody>
           </p:sp>
         </mc:Choice>
-        <mc:Fallback>
+        <mc:Fallback xmlns="">
           <p:sp>
             <p:nvSpPr>
               <p:cNvPr id="4" name="Объект 3"/>
